--- a/doc/submission/RSRAFVP Final Project Presentation.pptx
+++ b/doc/submission/RSRAFVP Final Project Presentation.pptx
@@ -949,135 +949,20 @@
             </a:pPr>
             <a:r>
               <a:rPr lang="en-US" dirty="0"/>
-              <a:t>This assessments reviews a patient’s functionality across 8 main categories: </a:t>
+              <a:t>The R-SRAFVP assessment is used by medical professionals specializing in low vision rehabilitation</a:t>
             </a:r>
           </a:p>
           <a:p>
-            <a:pPr marL="171450" lvl="0" indent="-171450" algn="l" rtl="0">
-              <a:spcBef>
-                <a:spcPts val="0"/>
-              </a:spcBef>
-              <a:spcAft>
-                <a:spcPts val="0"/>
-              </a:spcAft>
-            </a:pPr>
-            <a:r>
-              <a:rPr lang="en-US" dirty="0"/>
-              <a:t>Health Management (food and medications), </a:t>
-            </a:r>
-          </a:p>
-          <a:p>
-            <a:pPr marL="171450" lvl="0" indent="-171450" algn="l" rtl="0">
-              <a:spcBef>
-                <a:spcPts val="0"/>
-              </a:spcBef>
-              <a:spcAft>
-                <a:spcPts val="0"/>
-              </a:spcAft>
-            </a:pPr>
-            <a:r>
-              <a:rPr lang="en-US" dirty="0"/>
-              <a:t>Personal Grooming (dressing/hygiene), </a:t>
-            </a:r>
-          </a:p>
-          <a:p>
-            <a:pPr marL="171450" lvl="0" indent="-171450" algn="l" rtl="0">
-              <a:spcBef>
-                <a:spcPts val="0"/>
-              </a:spcBef>
-              <a:spcAft>
-                <a:spcPts val="0"/>
-              </a:spcAft>
-            </a:pPr>
-            <a:r>
-              <a:rPr lang="en-US" dirty="0"/>
-              <a:t>Meal/Laundry Preparation, </a:t>
-            </a:r>
-          </a:p>
-          <a:p>
-            <a:pPr marL="171450" lvl="0" indent="-171450" algn="l" rtl="0">
-              <a:spcBef>
-                <a:spcPts val="0"/>
-              </a:spcBef>
-              <a:spcAft>
-                <a:spcPts val="0"/>
-              </a:spcAft>
-            </a:pPr>
-            <a:r>
-              <a:rPr lang="en-US" dirty="0"/>
-              <a:t>Financial Management (managing personal records, reading bills and statements, writing check/paying bills), </a:t>
-            </a:r>
-          </a:p>
-          <a:p>
-            <a:pPr marL="171450" lvl="0" indent="-171450" algn="l" rtl="0">
-              <a:spcBef>
-                <a:spcPts val="0"/>
-              </a:spcBef>
-              <a:spcAft>
-                <a:spcPts val="0"/>
-              </a:spcAft>
-            </a:pPr>
-            <a:r>
-              <a:rPr lang="en-US" dirty="0"/>
-              <a:t>Using the Telephone, </a:t>
-            </a:r>
-          </a:p>
-          <a:p>
-            <a:pPr marL="171450" lvl="0" indent="-171450" algn="l" rtl="0">
-              <a:spcBef>
-                <a:spcPts val="0"/>
-              </a:spcBef>
-              <a:spcAft>
-                <a:spcPts val="0"/>
-              </a:spcAft>
-            </a:pPr>
-            <a:r>
-              <a:rPr lang="en-US" dirty="0"/>
-              <a:t>Reading (e.g., books, labels, instructions, etc.), </a:t>
-            </a:r>
-          </a:p>
-          <a:p>
-            <a:pPr marL="171450" lvl="0" indent="-171450" algn="l" rtl="0">
-              <a:spcBef>
-                <a:spcPts val="0"/>
-              </a:spcBef>
-              <a:spcAft>
-                <a:spcPts val="0"/>
-              </a:spcAft>
-            </a:pPr>
-            <a:r>
-              <a:rPr lang="en-US" dirty="0"/>
-              <a:t>Writing (e.g., personal lists, notes, signature, etc.), </a:t>
-            </a:r>
-          </a:p>
-          <a:p>
-            <a:pPr marL="171450" lvl="0" indent="-171450" algn="l" rtl="0">
-              <a:spcBef>
-                <a:spcPts val="0"/>
-              </a:spcBef>
-              <a:spcAft>
-                <a:spcPts val="0"/>
-              </a:spcAft>
-            </a:pPr>
-            <a:r>
-              <a:rPr lang="en-US" dirty="0"/>
-              <a:t>Functional Mobility (e.g., up/downstairs, avoiding collisions/tripping, locate and read signs, adjusting to walking surface, etc.), </a:t>
-            </a:r>
-          </a:p>
-          <a:p>
-            <a:pPr marL="171450" lvl="0" indent="-171450" algn="l" rtl="0">
-              <a:spcBef>
-                <a:spcPts val="0"/>
-              </a:spcBef>
-              <a:spcAft>
-                <a:spcPts val="0"/>
-              </a:spcAft>
-            </a:pPr>
-            <a:r>
-              <a:rPr lang="en-US" dirty="0"/>
-              <a:t>Personal Activities (e.g., leisure activities, operating a radio/TV/phone/remotes, etc.)</a:t>
-            </a:r>
-            <a:endParaRPr dirty="0"/>
+            <a:pPr marL="0" lvl="0" indent="0" algn="l" rtl="0">
+              <a:spcBef>
+                <a:spcPts val="0"/>
+              </a:spcBef>
+              <a:spcAft>
+                <a:spcPts val="0"/>
+              </a:spcAft>
+              <a:buNone/>
+            </a:pPr>
+            <a:endParaRPr lang="en-US" dirty="0"/>
           </a:p>
         </p:txBody>
       </p:sp>
@@ -1241,7 +1126,331 @@
               </a:spcAft>
               <a:buNone/>
             </a:pPr>
-            <a:endParaRPr dirty="0"/>
+            <a:r>
+              <a:rPr lang="en-US" dirty="0"/>
+              <a:t>The R-SRAFVP was released in 2017 in two forms: Microsoft Word document and Excel spreadsheet</a:t>
+            </a:r>
+          </a:p>
+          <a:p>
+            <a:pPr marL="0" lvl="0" indent="0" algn="l" rtl="0">
+              <a:spcBef>
+                <a:spcPts val="0"/>
+              </a:spcBef>
+              <a:spcAft>
+                <a:spcPts val="0"/>
+              </a:spcAft>
+              <a:buNone/>
+            </a:pPr>
+            <a:endParaRPr lang="en-US" dirty="0"/>
+          </a:p>
+          <a:p>
+            <a:pPr marL="0" lvl="0" indent="0" algn="l" rtl="0">
+              <a:spcBef>
+                <a:spcPts val="0"/>
+              </a:spcBef>
+              <a:spcAft>
+                <a:spcPts val="0"/>
+              </a:spcAft>
+              <a:buNone/>
+            </a:pPr>
+            <a:r>
+              <a:rPr lang="en-US" dirty="0"/>
+              <a:t>This assessments reviews a patient’s functionality across 8 main categories. </a:t>
+            </a:r>
+          </a:p>
+          <a:p>
+            <a:pPr marL="0" lvl="0" indent="0" algn="l" rtl="0">
+              <a:spcBef>
+                <a:spcPts val="0"/>
+              </a:spcBef>
+              <a:spcAft>
+                <a:spcPts val="0"/>
+              </a:spcAft>
+              <a:buNone/>
+            </a:pPr>
+            <a:endParaRPr lang="en-US" dirty="0"/>
+          </a:p>
+          <a:p>
+            <a:pPr marL="0" lvl="0" indent="0" algn="l" rtl="0">
+              <a:spcBef>
+                <a:spcPts val="0"/>
+              </a:spcBef>
+              <a:spcAft>
+                <a:spcPts val="0"/>
+              </a:spcAft>
+              <a:buNone/>
+            </a:pPr>
+            <a:r>
+              <a:rPr lang="en-US" sz="1100" dirty="0">
+                <a:effectLst/>
+                <a:latin typeface="Arial" panose="020B0604020202020204" pitchFamily="34" charset="0"/>
+                <a:ea typeface="Arial" panose="020B0604020202020204" pitchFamily="34" charset="0"/>
+              </a:rPr>
+              <a:t>Each category contains several questions ranging from dealing with medications/food or personal grooming to reading, writing, and getting around without issue (e.g., tripping, going up or down stairs, etc.). </a:t>
+            </a:r>
+          </a:p>
+          <a:p>
+            <a:pPr marL="0" lvl="0" indent="0" algn="l" rtl="0">
+              <a:spcBef>
+                <a:spcPts val="0"/>
+              </a:spcBef>
+              <a:spcAft>
+                <a:spcPts val="0"/>
+              </a:spcAft>
+              <a:buNone/>
+            </a:pPr>
+            <a:endParaRPr lang="en-US" sz="1100" dirty="0">
+              <a:effectLst/>
+              <a:latin typeface="Arial" panose="020B0604020202020204" pitchFamily="34" charset="0"/>
+            </a:endParaRPr>
+          </a:p>
+          <a:p>
+            <a:pPr marL="0" lvl="0" indent="0" algn="l" rtl="0">
+              <a:spcBef>
+                <a:spcPts val="0"/>
+              </a:spcBef>
+              <a:spcAft>
+                <a:spcPts val="0"/>
+              </a:spcAft>
+              <a:buNone/>
+            </a:pPr>
+            <a:r>
+              <a:rPr lang="en-US" sz="1100" dirty="0">
+                <a:effectLst/>
+                <a:latin typeface="Arial" panose="020B0604020202020204" pitchFamily="34" charset="0"/>
+              </a:rPr>
+              <a:t>The question answers are based on the same rating scale.  Zero represents completely unable to accomplish the task.  Four means the patient is independent with the task.  There is a safeguard answer of NA for questions unanswered or not applicable.  The answers are tallied into an assessment score, level of impairment and Medicare code rating for treatment.</a:t>
+            </a:r>
+            <a:endParaRPr lang="en-US" dirty="0"/>
+          </a:p>
+          <a:p>
+            <a:pPr marL="0" lvl="0" indent="0" algn="l" rtl="0">
+              <a:spcBef>
+                <a:spcPts val="0"/>
+              </a:spcBef>
+              <a:spcAft>
+                <a:spcPts val="0"/>
+              </a:spcAft>
+              <a:buNone/>
+            </a:pPr>
+            <a:endParaRPr lang="en-US" dirty="0"/>
+          </a:p>
+          <a:p>
+            <a:pPr marL="0" lvl="0" indent="0" algn="l" rtl="0">
+              <a:spcBef>
+                <a:spcPts val="0"/>
+              </a:spcBef>
+              <a:spcAft>
+                <a:spcPts val="0"/>
+              </a:spcAft>
+              <a:buNone/>
+            </a:pPr>
+            <a:r>
+              <a:rPr lang="en-US" dirty="0"/>
+              <a:t>An attempt was made to make the Microsoft Excel spreadsheet version internet accessible.  This was a wrapper application site around the spreadsheet.</a:t>
+            </a:r>
+          </a:p>
+          <a:p>
+            <a:pPr marL="0" lvl="0" indent="0" algn="l" rtl="0">
+              <a:spcBef>
+                <a:spcPts val="0"/>
+              </a:spcBef>
+              <a:spcAft>
+                <a:spcPts val="0"/>
+              </a:spcAft>
+              <a:buNone/>
+            </a:pPr>
+            <a:endParaRPr lang="en-US" dirty="0"/>
+          </a:p>
+          <a:p>
+            <a:pPr marL="0" lvl="0" indent="0" algn="l" rtl="0">
+              <a:spcBef>
+                <a:spcPts val="0"/>
+              </a:spcBef>
+              <a:spcAft>
+                <a:spcPts val="0"/>
+              </a:spcAft>
+              <a:buNone/>
+            </a:pPr>
+            <a:r>
+              <a:rPr lang="en-US" sz="1800" dirty="0">
+                <a:effectLst/>
+                <a:latin typeface="Arial" panose="020B0604020202020204" pitchFamily="34" charset="0"/>
+                <a:ea typeface="Arial" panose="020B0604020202020204" pitchFamily="34" charset="0"/>
+              </a:rPr>
+              <a:t>Although each of these forms work on their own, the reasoning behind the new R-SRAFVP progressive web app is to </a:t>
+            </a:r>
+          </a:p>
+          <a:p>
+            <a:pPr marL="285750" lvl="0" indent="-285750" algn="l" rtl="0">
+              <a:spcBef>
+                <a:spcPts val="0"/>
+              </a:spcBef>
+              <a:spcAft>
+                <a:spcPts val="0"/>
+              </a:spcAft>
+            </a:pPr>
+            <a:r>
+              <a:rPr lang="en-US" sz="1800" dirty="0">
+                <a:effectLst/>
+                <a:latin typeface="Arial" panose="020B0604020202020204" pitchFamily="34" charset="0"/>
+                <a:ea typeface="Arial" panose="020B0604020202020204" pitchFamily="34" charset="0"/>
+              </a:rPr>
+              <a:t>Reduce human error, </a:t>
+            </a:r>
+          </a:p>
+          <a:p>
+            <a:pPr marL="285750" marR="0" lvl="0" indent="-285750" algn="l" defTabSz="914400" rtl="0" eaLnBrk="1" fontAlgn="auto" latinLnBrk="0" hangingPunct="1">
+              <a:lnSpc>
+                <a:spcPct val="100000"/>
+              </a:lnSpc>
+              <a:spcBef>
+                <a:spcPts val="0"/>
+              </a:spcBef>
+              <a:spcAft>
+                <a:spcPts val="0"/>
+              </a:spcAft>
+              <a:buClr>
+                <a:srgbClr val="000000"/>
+              </a:buClr>
+              <a:buSzPts val="1100"/>
+              <a:tabLst/>
+              <a:defRPr/>
+            </a:pPr>
+            <a:r>
+              <a:rPr lang="en-US" sz="1800" dirty="0">
+                <a:effectLst/>
+                <a:latin typeface="Arial" panose="020B0604020202020204" pitchFamily="34" charset="0"/>
+                <a:ea typeface="Arial" panose="020B0604020202020204" pitchFamily="34" charset="0"/>
+              </a:rPr>
+              <a:t>Simplicity of design, </a:t>
+            </a:r>
+          </a:p>
+          <a:p>
+            <a:pPr marL="285750" lvl="0" indent="-285750" algn="l" rtl="0">
+              <a:spcBef>
+                <a:spcPts val="0"/>
+              </a:spcBef>
+              <a:spcAft>
+                <a:spcPts val="0"/>
+              </a:spcAft>
+            </a:pPr>
+            <a:r>
+              <a:rPr lang="en-US" sz="1800" dirty="0">
+                <a:effectLst/>
+                <a:latin typeface="Arial" panose="020B0604020202020204" pitchFamily="34" charset="0"/>
+                <a:ea typeface="Arial" panose="020B0604020202020204" pitchFamily="34" charset="0"/>
+              </a:rPr>
+              <a:t>Improve ease of use, </a:t>
+            </a:r>
+          </a:p>
+          <a:p>
+            <a:pPr marL="285750" lvl="0" indent="-285750" algn="l" rtl="0">
+              <a:spcBef>
+                <a:spcPts val="0"/>
+              </a:spcBef>
+              <a:spcAft>
+                <a:spcPts val="0"/>
+              </a:spcAft>
+            </a:pPr>
+            <a:r>
+              <a:rPr lang="en-US" sz="1800" dirty="0">
+                <a:effectLst/>
+                <a:latin typeface="Arial" panose="020B0604020202020204" pitchFamily="34" charset="0"/>
+                <a:ea typeface="Arial" panose="020B0604020202020204" pitchFamily="34" charset="0"/>
+              </a:rPr>
+              <a:t>Greater accessibility, </a:t>
+            </a:r>
+          </a:p>
+          <a:p>
+            <a:pPr marL="285750" lvl="0" indent="-285750" algn="l" rtl="0">
+              <a:spcBef>
+                <a:spcPts val="0"/>
+              </a:spcBef>
+              <a:spcAft>
+                <a:spcPts val="0"/>
+              </a:spcAft>
+            </a:pPr>
+            <a:r>
+              <a:rPr lang="en-US" sz="1800" dirty="0">
+                <a:effectLst/>
+                <a:latin typeface="Arial" panose="020B0604020202020204" pitchFamily="34" charset="0"/>
+                <a:ea typeface="Arial" panose="020B0604020202020204" pitchFamily="34" charset="0"/>
+              </a:rPr>
+              <a:t>Improve use/adoption,</a:t>
+            </a:r>
+          </a:p>
+          <a:p>
+            <a:pPr marL="285750" lvl="0" indent="-285750" algn="l" rtl="0">
+              <a:spcBef>
+                <a:spcPts val="0"/>
+              </a:spcBef>
+              <a:spcAft>
+                <a:spcPts val="0"/>
+              </a:spcAft>
+            </a:pPr>
+            <a:r>
+              <a:rPr lang="en-US" sz="1800" dirty="0">
+                <a:effectLst/>
+                <a:latin typeface="Arial" panose="020B0604020202020204" pitchFamily="34" charset="0"/>
+                <a:ea typeface="Arial" panose="020B0604020202020204" pitchFamily="34" charset="0"/>
+              </a:rPr>
+              <a:t>Gather data to improve the assessment itself</a:t>
+            </a:r>
+          </a:p>
+          <a:p>
+            <a:pPr marL="285750" lvl="0" indent="-285750" algn="l" rtl="0">
+              <a:spcBef>
+                <a:spcPts val="0"/>
+              </a:spcBef>
+              <a:spcAft>
+                <a:spcPts val="0"/>
+              </a:spcAft>
+              <a:buFontTx/>
+              <a:buChar char="-"/>
+            </a:pPr>
+            <a:endParaRPr lang="en-US" sz="1800" dirty="0">
+              <a:effectLst/>
+              <a:latin typeface="Arial" panose="020B0604020202020204" pitchFamily="34" charset="0"/>
+              <a:ea typeface="Arial" panose="020B0604020202020204" pitchFamily="34" charset="0"/>
+            </a:endParaRPr>
+          </a:p>
+          <a:p>
+            <a:pPr marL="0" lvl="0" indent="0" algn="l" rtl="0">
+              <a:spcBef>
+                <a:spcPts val="0"/>
+              </a:spcBef>
+              <a:spcAft>
+                <a:spcPts val="0"/>
+              </a:spcAft>
+              <a:buFontTx/>
+              <a:buNone/>
+            </a:pPr>
+            <a:r>
+              <a:rPr lang="en-US" sz="1800" dirty="0">
+                <a:effectLst/>
+                <a:latin typeface="Arial" panose="020B0604020202020204" pitchFamily="34" charset="0"/>
+                <a:ea typeface="Arial" panose="020B0604020202020204" pitchFamily="34" charset="0"/>
+              </a:rPr>
+              <a:t>Used Software Engineering principles for project management, process, artifacts (use cases, requirements, UI/UX design, models), and reviews</a:t>
+            </a:r>
+          </a:p>
+          <a:p>
+            <a:pPr marL="285750" lvl="0" indent="-285750" algn="l" rtl="0">
+              <a:spcBef>
+                <a:spcPts val="0"/>
+              </a:spcBef>
+              <a:spcAft>
+                <a:spcPts val="0"/>
+              </a:spcAft>
+              <a:buFontTx/>
+              <a:buChar char="-"/>
+            </a:pPr>
+            <a:endParaRPr lang="en-US" sz="1800" dirty="0">
+              <a:effectLst/>
+              <a:latin typeface="Arial" panose="020B0604020202020204" pitchFamily="34" charset="0"/>
+              <a:ea typeface="Arial" panose="020B0604020202020204" pitchFamily="34" charset="0"/>
+            </a:endParaRPr>
           </a:p>
         </p:txBody>
       </p:sp>
@@ -1410,7 +1619,518 @@
               </a:spcAft>
               <a:buNone/>
             </a:pPr>
-            <a:endParaRPr/>
+            <a:r>
+              <a:rPr lang="en-US" dirty="0"/>
+              <a:t>This project built a new R-SRAFVP application using Cloud Computing capabilities</a:t>
+            </a:r>
+          </a:p>
+          <a:p>
+            <a:pPr marL="171450" lvl="0" indent="-171450" algn="l" rtl="0">
+              <a:spcBef>
+                <a:spcPts val="0"/>
+              </a:spcBef>
+              <a:spcAft>
+                <a:spcPts val="0"/>
+              </a:spcAft>
+            </a:pPr>
+            <a:r>
+              <a:rPr lang="en-US" dirty="0"/>
+              <a:t>A progressive web application</a:t>
+            </a:r>
+          </a:p>
+          <a:p>
+            <a:pPr marL="171450" lvl="0" indent="-171450" algn="l" rtl="0">
+              <a:spcBef>
+                <a:spcPts val="0"/>
+              </a:spcBef>
+              <a:spcAft>
+                <a:spcPts val="0"/>
+              </a:spcAft>
+            </a:pPr>
+            <a:r>
+              <a:rPr lang="en-US" dirty="0"/>
+              <a:t>Discoverable on the web </a:t>
+            </a:r>
+          </a:p>
+          <a:p>
+            <a:pPr marL="171450" lvl="0" indent="-171450" algn="l" rtl="0">
+              <a:spcBef>
+                <a:spcPts val="0"/>
+              </a:spcBef>
+              <a:spcAft>
+                <a:spcPts val="0"/>
+              </a:spcAft>
+            </a:pPr>
+            <a:r>
+              <a:rPr lang="en-US" dirty="0"/>
+              <a:t>Shareable</a:t>
+            </a:r>
+          </a:p>
+          <a:p>
+            <a:pPr marL="171450" marR="0" lvl="0" indent="-171450" algn="l" defTabSz="914400" rtl="0" eaLnBrk="1" fontAlgn="auto" latinLnBrk="0" hangingPunct="1">
+              <a:lnSpc>
+                <a:spcPct val="100000"/>
+              </a:lnSpc>
+              <a:spcBef>
+                <a:spcPts val="0"/>
+              </a:spcBef>
+              <a:spcAft>
+                <a:spcPts val="0"/>
+              </a:spcAft>
+              <a:buClr>
+                <a:srgbClr val="000000"/>
+              </a:buClr>
+              <a:buSzPts val="1100"/>
+              <a:tabLst/>
+              <a:defRPr/>
+            </a:pPr>
+            <a:r>
+              <a:rPr lang="en-US" dirty="0"/>
+              <a:t>Responsive design</a:t>
+            </a:r>
+          </a:p>
+          <a:p>
+            <a:pPr marL="171450" lvl="0" indent="-171450" algn="l" rtl="0">
+              <a:spcBef>
+                <a:spcPts val="0"/>
+              </a:spcBef>
+              <a:spcAft>
+                <a:spcPts val="0"/>
+              </a:spcAft>
+            </a:pPr>
+            <a:r>
+              <a:rPr lang="en-US" dirty="0"/>
+              <a:t>Security throughout</a:t>
+            </a:r>
+          </a:p>
+          <a:p>
+            <a:pPr marL="171450" lvl="0" indent="-171450" algn="l" rtl="0">
+              <a:spcBef>
+                <a:spcPts val="0"/>
+              </a:spcBef>
+              <a:spcAft>
+                <a:spcPts val="0"/>
+              </a:spcAft>
+            </a:pPr>
+            <a:r>
+              <a:rPr lang="en-US" dirty="0"/>
+              <a:t>Progressive enhancement</a:t>
+            </a:r>
+          </a:p>
+          <a:p>
+            <a:pPr marL="171450" lvl="0" indent="-171450" algn="l" rtl="0">
+              <a:spcBef>
+                <a:spcPts val="0"/>
+              </a:spcBef>
+              <a:spcAft>
+                <a:spcPts val="0"/>
+              </a:spcAft>
+            </a:pPr>
+            <a:r>
+              <a:rPr lang="en-US" dirty="0"/>
+              <a:t>Single code base across multiple device types and platforms </a:t>
+            </a:r>
+          </a:p>
+          <a:p>
+            <a:pPr marL="171450" lvl="0" indent="-171450" algn="l" rtl="0">
+              <a:spcBef>
+                <a:spcPts val="0"/>
+              </a:spcBef>
+              <a:spcAft>
+                <a:spcPts val="0"/>
+              </a:spcAft>
+            </a:pPr>
+            <a:r>
+              <a:rPr lang="en-US" dirty="0"/>
+              <a:t>Uses cloud computing services</a:t>
+            </a:r>
+          </a:p>
+          <a:p>
+            <a:pPr marL="171450" lvl="0" indent="-171450" algn="l" rtl="0">
+              <a:spcBef>
+                <a:spcPts val="0"/>
+              </a:spcBef>
+              <a:spcAft>
+                <a:spcPts val="0"/>
+              </a:spcAft>
+              <a:buFontTx/>
+              <a:buChar char="-"/>
+            </a:pPr>
+            <a:endParaRPr lang="en-US" dirty="0"/>
+          </a:p>
+          <a:p>
+            <a:pPr marL="0" lvl="0" indent="0" algn="l" rtl="0">
+              <a:spcBef>
+                <a:spcPts val="0"/>
+              </a:spcBef>
+              <a:spcAft>
+                <a:spcPts val="0"/>
+              </a:spcAft>
+              <a:buFontTx/>
+              <a:buNone/>
+            </a:pPr>
+            <a:r>
+              <a:rPr lang="en-US" dirty="0"/>
+              <a:t>The main architecture for the progressive web application is</a:t>
+            </a:r>
+          </a:p>
+          <a:p>
+            <a:pPr marL="171450" lvl="0" indent="-171450" algn="l" rtl="0">
+              <a:spcBef>
+                <a:spcPts val="0"/>
+              </a:spcBef>
+              <a:spcAft>
+                <a:spcPts val="0"/>
+              </a:spcAft>
+            </a:pPr>
+            <a:r>
+              <a:rPr lang="en-US" dirty="0"/>
+              <a:t>Hosting through Google sites</a:t>
+            </a:r>
+          </a:p>
+          <a:p>
+            <a:pPr marL="171450" lvl="0" indent="-171450" algn="l" rtl="0">
+              <a:spcBef>
+                <a:spcPts val="0"/>
+              </a:spcBef>
+              <a:spcAft>
+                <a:spcPts val="0"/>
+              </a:spcAft>
+            </a:pPr>
+            <a:r>
+              <a:rPr lang="en-US" dirty="0"/>
+              <a:t>Firebase is used for the project and cloud services</a:t>
+            </a:r>
+          </a:p>
+          <a:p>
+            <a:pPr marL="171450" marR="0" lvl="0" indent="-171450" algn="l" defTabSz="914400" rtl="0" eaLnBrk="1" fontAlgn="auto" latinLnBrk="0" hangingPunct="1">
+              <a:lnSpc>
+                <a:spcPct val="100000"/>
+              </a:lnSpc>
+              <a:spcBef>
+                <a:spcPts val="0"/>
+              </a:spcBef>
+              <a:spcAft>
+                <a:spcPts val="0"/>
+              </a:spcAft>
+              <a:buClr>
+                <a:srgbClr val="000000"/>
+              </a:buClr>
+              <a:buSzPts val="1100"/>
+              <a:tabLst/>
+              <a:defRPr/>
+            </a:pPr>
+            <a:r>
+              <a:rPr lang="en-US" dirty="0"/>
+              <a:t>Cloud services implemented are authentication, analytics and </a:t>
+            </a:r>
+            <a:r>
+              <a:rPr lang="en-US" dirty="0" err="1"/>
+              <a:t>Firestore</a:t>
+            </a:r>
+            <a:r>
+              <a:rPr lang="en-US" dirty="0"/>
+              <a:t> (no SQL database)</a:t>
+            </a:r>
+          </a:p>
+          <a:p>
+            <a:pPr marL="171450" lvl="0" indent="-171450" algn="l" rtl="0">
+              <a:spcBef>
+                <a:spcPts val="0"/>
+              </a:spcBef>
+              <a:spcAft>
+                <a:spcPts val="0"/>
+              </a:spcAft>
+            </a:pPr>
+            <a:r>
+              <a:rPr lang="en-US" dirty="0"/>
+              <a:t>Core languages used are HTML, CSS and JavaScript</a:t>
+            </a:r>
+          </a:p>
+          <a:p>
+            <a:pPr marL="0" lvl="0" indent="0" algn="l" rtl="0">
+              <a:spcBef>
+                <a:spcPts val="0"/>
+              </a:spcBef>
+              <a:spcAft>
+                <a:spcPts val="0"/>
+              </a:spcAft>
+              <a:buNone/>
+            </a:pPr>
+            <a:endParaRPr lang="en-US" dirty="0"/>
+          </a:p>
+          <a:p>
+            <a:pPr marL="0" marR="0" lvl="0" indent="0" algn="l" defTabSz="914400" rtl="0" eaLnBrk="1" fontAlgn="auto" latinLnBrk="0" hangingPunct="1">
+              <a:lnSpc>
+                <a:spcPct val="100000"/>
+              </a:lnSpc>
+              <a:spcBef>
+                <a:spcPts val="0"/>
+              </a:spcBef>
+              <a:spcAft>
+                <a:spcPts val="0"/>
+              </a:spcAft>
+              <a:buClr>
+                <a:srgbClr val="000000"/>
+              </a:buClr>
+              <a:buSzPts val="1100"/>
+              <a:buFont typeface="Arial"/>
+              <a:buNone/>
+              <a:tabLst/>
+              <a:defRPr/>
+            </a:pPr>
+            <a:r>
+              <a:rPr lang="en-US" dirty="0"/>
+              <a:t>The progressive web application makes the assessment available to any medical professionals specializing in low vision rehabilitation</a:t>
+            </a:r>
+          </a:p>
+          <a:p>
+            <a:pPr marL="0" lvl="0" indent="0" algn="l" rtl="0">
+              <a:spcBef>
+                <a:spcPts val="0"/>
+              </a:spcBef>
+              <a:spcAft>
+                <a:spcPts val="0"/>
+              </a:spcAft>
+              <a:buNone/>
+            </a:pPr>
+            <a:r>
+              <a:rPr lang="en-US" dirty="0"/>
+              <a:t>- Although Occupational Therapists specializing in low vision are the target audience.</a:t>
+            </a:r>
+          </a:p>
+          <a:p>
+            <a:pPr marL="0" lvl="0" indent="0" algn="l" rtl="0">
+              <a:spcBef>
+                <a:spcPts val="0"/>
+              </a:spcBef>
+              <a:spcAft>
+                <a:spcPts val="0"/>
+              </a:spcAft>
+              <a:buNone/>
+            </a:pPr>
+            <a:endParaRPr lang="en-US" dirty="0"/>
+          </a:p>
+          <a:p>
+            <a:pPr marL="0" marR="0" lvl="0" indent="0" algn="l" defTabSz="914400" rtl="0" eaLnBrk="1" fontAlgn="auto" latinLnBrk="0" hangingPunct="1">
+              <a:lnSpc>
+                <a:spcPct val="100000"/>
+              </a:lnSpc>
+              <a:spcBef>
+                <a:spcPts val="0"/>
+              </a:spcBef>
+              <a:spcAft>
+                <a:spcPts val="0"/>
+              </a:spcAft>
+              <a:buClr>
+                <a:srgbClr val="000000"/>
+              </a:buClr>
+              <a:buSzPts val="1100"/>
+              <a:buFont typeface="Arial"/>
+              <a:buNone/>
+              <a:tabLst/>
+              <a:defRPr/>
+            </a:pPr>
+            <a:r>
+              <a:rPr lang="en-US" dirty="0"/>
+              <a:t>There are a total of 11 webpages, but the core functionality is the active assessment screen</a:t>
+            </a:r>
+          </a:p>
+          <a:p>
+            <a:pPr marL="171450" lvl="0" indent="-171450" algn="l" rtl="0">
+              <a:spcBef>
+                <a:spcPts val="0"/>
+              </a:spcBef>
+              <a:spcAft>
+                <a:spcPts val="0"/>
+              </a:spcAft>
+            </a:pPr>
+            <a:r>
+              <a:rPr lang="en-US" dirty="0"/>
+              <a:t>There are 3 tabs for the assessment and 2 tabs for help</a:t>
+            </a:r>
+          </a:p>
+          <a:p>
+            <a:pPr marL="171450" lvl="0" indent="-171450" algn="l" rtl="0">
+              <a:spcBef>
+                <a:spcPts val="0"/>
+              </a:spcBef>
+              <a:spcAft>
+                <a:spcPts val="0"/>
+              </a:spcAft>
+            </a:pPr>
+            <a:r>
+              <a:rPr lang="en-US" dirty="0"/>
+              <a:t>The assessment tabs contain general information; questions, answers and comments; and scoring</a:t>
+            </a:r>
+          </a:p>
+          <a:p>
+            <a:pPr marL="171450" lvl="0" indent="-171450" algn="l" rtl="0">
+              <a:spcBef>
+                <a:spcPts val="0"/>
+              </a:spcBef>
+              <a:spcAft>
+                <a:spcPts val="0"/>
+              </a:spcAft>
+            </a:pPr>
+            <a:r>
+              <a:rPr lang="en-US" dirty="0"/>
+              <a:t>The help tabs contain the scoring scale (for answering help) and Medicare Code (for therapist reference)</a:t>
+            </a:r>
+          </a:p>
+          <a:p>
+            <a:pPr marL="0" lvl="0" indent="0" algn="l" rtl="0">
+              <a:spcBef>
+                <a:spcPts val="0"/>
+              </a:spcBef>
+              <a:spcAft>
+                <a:spcPts val="0"/>
+              </a:spcAft>
+              <a:buNone/>
+            </a:pPr>
+            <a:endParaRPr lang="en-US" dirty="0"/>
+          </a:p>
+          <a:p>
+            <a:pPr marL="0" lvl="0" indent="0" algn="l" rtl="0">
+              <a:spcBef>
+                <a:spcPts val="0"/>
+              </a:spcBef>
+              <a:spcAft>
+                <a:spcPts val="0"/>
+              </a:spcAft>
+              <a:buNone/>
+            </a:pPr>
+            <a:r>
+              <a:rPr lang="en-US" dirty="0"/>
+              <a:t>Once the user moves to the scoring tab, the assessment is fully scored</a:t>
+            </a:r>
+          </a:p>
+          <a:p>
+            <a:pPr marL="0" lvl="0" indent="0" algn="l" rtl="0">
+              <a:spcBef>
+                <a:spcPts val="0"/>
+              </a:spcBef>
+              <a:spcAft>
+                <a:spcPts val="0"/>
+              </a:spcAft>
+              <a:buNone/>
+            </a:pPr>
+            <a:r>
+              <a:rPr lang="en-US" dirty="0"/>
+              <a:t>The user can print, export or reset the assessment for the next patient</a:t>
+            </a:r>
+          </a:p>
+          <a:p>
+            <a:pPr marL="0" lvl="0" indent="0" algn="l" rtl="0">
+              <a:spcBef>
+                <a:spcPts val="0"/>
+              </a:spcBef>
+              <a:spcAft>
+                <a:spcPts val="0"/>
+              </a:spcAft>
+              <a:buNone/>
+            </a:pPr>
+            <a:endParaRPr lang="en-US" dirty="0"/>
+          </a:p>
+          <a:p>
+            <a:pPr marL="0" marR="0" lvl="0" indent="0" algn="l" defTabSz="914400" rtl="0" eaLnBrk="1" fontAlgn="auto" latinLnBrk="0" hangingPunct="1">
+              <a:lnSpc>
+                <a:spcPct val="100000"/>
+              </a:lnSpc>
+              <a:spcBef>
+                <a:spcPts val="0"/>
+              </a:spcBef>
+              <a:spcAft>
+                <a:spcPts val="0"/>
+              </a:spcAft>
+              <a:buClr>
+                <a:srgbClr val="000000"/>
+              </a:buClr>
+              <a:buSzPts val="1100"/>
+              <a:buFont typeface="Arial"/>
+              <a:buNone/>
+              <a:tabLst/>
+              <a:defRPr/>
+            </a:pPr>
+            <a:r>
+              <a:rPr lang="en-US" dirty="0"/>
+              <a:t>Authentication can be done through site registration or using a Google account</a:t>
+            </a:r>
+          </a:p>
+          <a:p>
+            <a:pPr marL="0" lvl="0" indent="0" algn="l" rtl="0">
+              <a:spcBef>
+                <a:spcPts val="0"/>
+              </a:spcBef>
+              <a:spcAft>
+                <a:spcPts val="0"/>
+              </a:spcAft>
+              <a:buNone/>
+            </a:pPr>
+            <a:r>
+              <a:rPr lang="en-US" dirty="0"/>
+              <a:t>If the user is authenticated, additional functionality becomes available to save, recall, or delete assessments</a:t>
+            </a:r>
+          </a:p>
+          <a:p>
+            <a:pPr marL="0" lvl="0" indent="0" algn="l" rtl="0">
+              <a:spcBef>
+                <a:spcPts val="0"/>
+              </a:spcBef>
+              <a:spcAft>
+                <a:spcPts val="0"/>
+              </a:spcAft>
+              <a:buNone/>
+            </a:pPr>
+            <a:endParaRPr lang="en-US" dirty="0"/>
+          </a:p>
+          <a:p>
+            <a:pPr marL="0" lvl="0" indent="0" algn="l" rtl="0">
+              <a:spcBef>
+                <a:spcPts val="0"/>
+              </a:spcBef>
+              <a:spcAft>
+                <a:spcPts val="0"/>
+              </a:spcAft>
+              <a:buNone/>
+            </a:pPr>
+            <a:endParaRPr lang="en-US" dirty="0"/>
+          </a:p>
+          <a:p>
+            <a:pPr marL="0" lvl="0" indent="0" algn="l" rtl="0">
+              <a:spcBef>
+                <a:spcPts val="0"/>
+              </a:spcBef>
+              <a:spcAft>
+                <a:spcPts val="0"/>
+              </a:spcAft>
+              <a:buNone/>
+            </a:pPr>
+            <a:endParaRPr lang="en-US" dirty="0"/>
+          </a:p>
+          <a:p>
+            <a:pPr marL="0" lvl="0" indent="0" algn="l" rtl="0">
+              <a:spcBef>
+                <a:spcPts val="0"/>
+              </a:spcBef>
+              <a:spcAft>
+                <a:spcPts val="0"/>
+              </a:spcAft>
+              <a:buNone/>
+            </a:pPr>
+            <a:endParaRPr lang="en-US" dirty="0"/>
+          </a:p>
+          <a:p>
+            <a:pPr marL="0" lvl="0" indent="0" algn="l" rtl="0">
+              <a:spcBef>
+                <a:spcPts val="0"/>
+              </a:spcBef>
+              <a:spcAft>
+                <a:spcPts val="0"/>
+              </a:spcAft>
+              <a:buNone/>
+            </a:pPr>
+            <a:endParaRPr lang="en-US" dirty="0"/>
           </a:p>
         </p:txBody>
       </p:sp>
@@ -1579,7 +2299,137 @@
               </a:spcAft>
               <a:buNone/>
             </a:pPr>
-            <a:endParaRPr/>
+            <a:r>
+              <a:rPr lang="en-US" dirty="0"/>
+              <a:t>Shown here are metrics from the live site: www.rsrafvp.com</a:t>
+            </a:r>
+          </a:p>
+          <a:p>
+            <a:pPr marL="0" lvl="0" indent="0" algn="l" rtl="0">
+              <a:spcBef>
+                <a:spcPts val="0"/>
+              </a:spcBef>
+              <a:spcAft>
+                <a:spcPts val="0"/>
+              </a:spcAft>
+              <a:buNone/>
+            </a:pPr>
+            <a:endParaRPr lang="en-US" dirty="0"/>
+          </a:p>
+          <a:p>
+            <a:pPr marL="0" lvl="0" indent="0" algn="l" rtl="0">
+              <a:spcBef>
+                <a:spcPts val="0"/>
+              </a:spcBef>
+              <a:spcAft>
+                <a:spcPts val="0"/>
+              </a:spcAft>
+              <a:buNone/>
+            </a:pPr>
+            <a:r>
+              <a:rPr lang="en-US" dirty="0"/>
+              <a:t>The site went live on Nov 1 with Release 1</a:t>
+            </a:r>
+          </a:p>
+          <a:p>
+            <a:pPr marL="0" lvl="0" indent="0" algn="l" rtl="0">
+              <a:spcBef>
+                <a:spcPts val="0"/>
+              </a:spcBef>
+              <a:spcAft>
+                <a:spcPts val="0"/>
+              </a:spcAft>
+              <a:buNone/>
+            </a:pPr>
+            <a:r>
+              <a:rPr lang="en-US" dirty="0"/>
+              <a:t>The site was update on Nov 20 with Release 2 functionality</a:t>
+            </a:r>
+          </a:p>
+          <a:p>
+            <a:pPr marL="0" lvl="0" indent="0" algn="l" rtl="0">
+              <a:spcBef>
+                <a:spcPts val="0"/>
+              </a:spcBef>
+              <a:spcAft>
+                <a:spcPts val="0"/>
+              </a:spcAft>
+              <a:buNone/>
+            </a:pPr>
+            <a:endParaRPr lang="en-US" dirty="0"/>
+          </a:p>
+          <a:p>
+            <a:pPr marL="0" lvl="0" indent="0" algn="l" rtl="0">
+              <a:spcBef>
+                <a:spcPts val="0"/>
+              </a:spcBef>
+              <a:spcAft>
+                <a:spcPts val="0"/>
+              </a:spcAft>
+              <a:buNone/>
+            </a:pPr>
+            <a:r>
+              <a:rPr lang="en-US" dirty="0"/>
+              <a:t>Metrics are being tracked for pages used, locations visitors are from, devices using the site</a:t>
+            </a:r>
+          </a:p>
+          <a:p>
+            <a:pPr marL="0" lvl="0" indent="0" algn="l" rtl="0">
+              <a:spcBef>
+                <a:spcPts val="0"/>
+              </a:spcBef>
+              <a:spcAft>
+                <a:spcPts val="0"/>
+              </a:spcAft>
+              <a:buNone/>
+            </a:pPr>
+            <a:endParaRPr lang="en-US" dirty="0"/>
+          </a:p>
+          <a:p>
+            <a:pPr marL="0" lvl="0" indent="0" algn="l" rtl="0">
+              <a:spcBef>
+                <a:spcPts val="0"/>
+              </a:spcBef>
+              <a:spcAft>
+                <a:spcPts val="0"/>
+              </a:spcAft>
+              <a:buNone/>
+            </a:pPr>
+            <a:r>
+              <a:rPr lang="en-US" dirty="0"/>
+              <a:t>Real users, real </a:t>
+            </a:r>
+            <a:r>
+              <a:rPr lang="en-US"/>
+              <a:t>patient outcomes</a:t>
+            </a:r>
+          </a:p>
+          <a:p>
+            <a:pPr marL="0" lvl="0" indent="0" algn="l" rtl="0">
+              <a:spcBef>
+                <a:spcPts val="0"/>
+              </a:spcBef>
+              <a:spcAft>
+                <a:spcPts val="0"/>
+              </a:spcAft>
+              <a:buNone/>
+            </a:pPr>
+            <a:endParaRPr lang="en-US" dirty="0"/>
+          </a:p>
+          <a:p>
+            <a:pPr marL="0" lvl="0" indent="0" algn="l" rtl="0">
+              <a:spcBef>
+                <a:spcPts val="0"/>
+              </a:spcBef>
+              <a:spcAft>
+                <a:spcPts val="0"/>
+              </a:spcAft>
+              <a:buNone/>
+            </a:pPr>
+            <a:r>
+              <a:rPr lang="en-US" dirty="0"/>
+              <a:t>Making a simple assessment much easier through software engineering and cloud computing services.</a:t>
+            </a:r>
           </a:p>
         </p:txBody>
       </p:sp>

--- a/doc/submission/RSRAFVP Final Project Presentation.pptx
+++ b/doc/submission/RSRAFVP Final Project Presentation.pptx
@@ -14,7 +14,7 @@
     <p:sldId id="266" r:id="rId5"/>
   </p:sldIdLst>
   <p:sldSz cx="9144000" cy="5143500" type="screen16x9"/>
-  <p:notesSz cx="6858000" cy="9144000"/>
+  <p:notesSz cx="6858000" cy="9313863"/>
   <p:defaultTextStyle>
     <a:defPPr marR="0" lvl="0" algn="l" rtl="0">
       <a:lnSpc>
@@ -297,8 +297,8 @@
         </p:nvSpPr>
         <p:spPr>
           <a:xfrm>
-            <a:off x="381300" y="685800"/>
-            <a:ext cx="6096075" cy="3429000"/>
+            <a:off x="325438" y="698500"/>
+            <a:ext cx="6207125" cy="3492500"/>
           </a:xfrm>
           <a:custGeom>
             <a:avLst/>
@@ -348,8 +348,8 @@
         </p:nvSpPr>
         <p:spPr>
           <a:xfrm>
-            <a:off x="685800" y="4343400"/>
-            <a:ext cx="5486400" cy="4114800"/>
+            <a:off x="685800" y="4424085"/>
+            <a:ext cx="5486400" cy="4191238"/>
           </a:xfrm>
           <a:prstGeom prst="rect">
             <a:avLst/>
@@ -733,8 +733,8 @@
         </p:nvSpPr>
         <p:spPr>
           <a:xfrm>
-            <a:off x="685800" y="1143000"/>
-            <a:ext cx="5486400" cy="3086100"/>
+            <a:off x="635000" y="363538"/>
+            <a:ext cx="5588000" cy="3143250"/>
           </a:xfrm>
           <a:custGeom>
             <a:avLst/>
@@ -784,8 +784,8 @@
         </p:nvSpPr>
         <p:spPr>
           <a:xfrm>
-            <a:off x="685800" y="4400550"/>
-            <a:ext cx="5486400" cy="3600450"/>
+            <a:off x="228600" y="3630018"/>
+            <a:ext cx="6400800" cy="5216535"/>
           </a:xfrm>
           <a:prstGeom prst="rect">
             <a:avLst/>
@@ -811,7 +811,7 @@
               <a:buNone/>
             </a:pPr>
             <a:r>
-              <a:rPr lang="en-US" dirty="0"/>
+              <a:rPr lang="en-US" sz="1200" dirty="0"/>
               <a:t>Many types of unique eye conditions.  Here are some common ones when growing older:</a:t>
             </a:r>
           </a:p>
@@ -825,7 +825,7 @@
               </a:spcAft>
             </a:pPr>
             <a:r>
-              <a:rPr lang="en-US" dirty="0"/>
+              <a:rPr lang="en-US" sz="1200" dirty="0"/>
               <a:t>Age-related Macular Degeneration, </a:t>
             </a:r>
           </a:p>
@@ -839,7 +839,7 @@
               </a:spcAft>
             </a:pPr>
             <a:r>
-              <a:rPr lang="en-US" dirty="0"/>
+              <a:rPr lang="en-US" sz="1200" dirty="0"/>
               <a:t>Glaucoma, </a:t>
             </a:r>
           </a:p>
@@ -853,7 +853,7 @@
               </a:spcAft>
             </a:pPr>
             <a:r>
-              <a:rPr lang="en-US" dirty="0"/>
+              <a:rPr lang="en-US" sz="1200" dirty="0"/>
               <a:t>Diabetic Retinopathy, </a:t>
             </a:r>
           </a:p>
@@ -867,7 +867,7 @@
               </a:spcAft>
             </a:pPr>
             <a:r>
-              <a:rPr lang="en-US" dirty="0"/>
+              <a:rPr lang="en-US" sz="1200" dirty="0"/>
               <a:t>Cataracts</a:t>
             </a:r>
           </a:p>
@@ -881,7 +881,7 @@
               </a:spcAft>
               <a:buNone/>
             </a:pPr>
-            <a:endParaRPr lang="en-US" dirty="0"/>
+            <a:endParaRPr lang="en-US" sz="1200" dirty="0"/>
           </a:p>
           <a:p>
             <a:pPr marL="0" lvl="0" indent="0" algn="l" rtl="0">
@@ -894,7 +894,7 @@
               <a:buNone/>
             </a:pPr>
             <a:r>
-              <a:rPr lang="en-US" dirty="0"/>
+              <a:rPr lang="en-US" sz="1200" dirty="0"/>
               <a:t>To assess these types of conditions on daily activities, a standard assessment is needed. </a:t>
             </a:r>
           </a:p>
@@ -908,7 +908,7 @@
               </a:spcAft>
               <a:buNone/>
             </a:pPr>
-            <a:endParaRPr lang="en-US" dirty="0"/>
+            <a:endParaRPr lang="en-US" sz="1200" dirty="0"/>
           </a:p>
           <a:p>
             <a:pPr marL="0" lvl="0" indent="0" algn="l" rtl="0">
@@ -921,7 +921,7 @@
               <a:buNone/>
             </a:pPr>
             <a:r>
-              <a:rPr lang="en-US" dirty="0"/>
+              <a:rPr lang="en-US" sz="1200" dirty="0"/>
               <a:t>This is how the Revised Self-Report Assessment of Functional Visual Performance comes into play</a:t>
             </a:r>
           </a:p>
@@ -935,7 +935,7 @@
               </a:spcAft>
               <a:buNone/>
             </a:pPr>
-            <a:endParaRPr lang="en-US" dirty="0"/>
+            <a:endParaRPr lang="en-US" sz="1200" dirty="0"/>
           </a:p>
           <a:p>
             <a:pPr marL="0" lvl="0" indent="0" algn="l" rtl="0">
@@ -948,7 +948,7 @@
               <a:buNone/>
             </a:pPr>
             <a:r>
-              <a:rPr lang="en-US" dirty="0"/>
+              <a:rPr lang="en-US" sz="1200" dirty="0"/>
               <a:t>The R-SRAFVP assessment is used by medical professionals specializing in low vision rehabilitation</a:t>
             </a:r>
           </a:p>
@@ -962,7 +962,7 @@
               </a:spcAft>
               <a:buNone/>
             </a:pPr>
-            <a:endParaRPr lang="en-US" dirty="0"/>
+            <a:endParaRPr lang="en-US" sz="1200" dirty="0"/>
           </a:p>
         </p:txBody>
       </p:sp>
@@ -978,8 +978,8 @@
         </p:nvSpPr>
         <p:spPr>
           <a:xfrm>
-            <a:off x="3884613" y="8685213"/>
-            <a:ext cx="2971800" cy="458787"/>
+            <a:off x="3884613" y="8846554"/>
+            <a:ext cx="2971800" cy="467310"/>
           </a:xfrm>
           <a:prstGeom prst="rect">
             <a:avLst/>
@@ -1049,8 +1049,8 @@
         </p:nvSpPr>
         <p:spPr>
           <a:xfrm>
-            <a:off x="685800" y="1143000"/>
-            <a:ext cx="5486400" cy="3086100"/>
+            <a:off x="635000" y="363538"/>
+            <a:ext cx="5588000" cy="3143250"/>
           </a:xfrm>
           <a:custGeom>
             <a:avLst/>
@@ -1100,8 +1100,8 @@
         </p:nvSpPr>
         <p:spPr>
           <a:xfrm>
-            <a:off x="685800" y="4400550"/>
-            <a:ext cx="5486400" cy="3600450"/>
+            <a:off x="228600" y="3653899"/>
+            <a:ext cx="6400800" cy="5215763"/>
           </a:xfrm>
           <a:prstGeom prst="rect">
             <a:avLst/>
@@ -1181,7 +1181,7 @@
               <a:buNone/>
             </a:pPr>
             <a:r>
-              <a:rPr lang="en-US" sz="1100" dirty="0">
+              <a:rPr lang="en-US" dirty="0">
                 <a:effectLst/>
                 <a:latin typeface="Arial" panose="020B0604020202020204" pitchFamily="34" charset="0"/>
                 <a:ea typeface="Arial" panose="020B0604020202020204" pitchFamily="34" charset="0"/>
@@ -1199,7 +1199,7 @@
               </a:spcAft>
               <a:buNone/>
             </a:pPr>
-            <a:endParaRPr lang="en-US" sz="1100" dirty="0">
+            <a:endParaRPr lang="en-US" dirty="0">
               <a:effectLst/>
               <a:latin typeface="Arial" panose="020B0604020202020204" pitchFamily="34" charset="0"/>
             </a:endParaRPr>
@@ -1215,7 +1215,7 @@
               <a:buNone/>
             </a:pPr>
             <a:r>
-              <a:rPr lang="en-US" sz="1100" dirty="0">
+              <a:rPr lang="en-US" dirty="0">
                 <a:effectLst/>
                 <a:latin typeface="Arial" panose="020B0604020202020204" pitchFamily="34" charset="0"/>
               </a:rPr>
@@ -1273,7 +1273,7 @@
               <a:buNone/>
             </a:pPr>
             <a:r>
-              <a:rPr lang="en-US" sz="1800" dirty="0">
+              <a:rPr lang="en-US" dirty="0">
                 <a:effectLst/>
                 <a:latin typeface="Arial" panose="020B0604020202020204" pitchFamily="34" charset="0"/>
                 <a:ea typeface="Arial" panose="020B0604020202020204" pitchFamily="34" charset="0"/>
@@ -1291,7 +1291,7 @@
               </a:spcAft>
             </a:pPr>
             <a:r>
-              <a:rPr lang="en-US" sz="1800" dirty="0">
+              <a:rPr lang="en-US" dirty="0">
                 <a:effectLst/>
                 <a:latin typeface="Arial" panose="020B0604020202020204" pitchFamily="34" charset="0"/>
                 <a:ea typeface="Arial" panose="020B0604020202020204" pitchFamily="34" charset="0"/>
@@ -1318,7 +1318,7 @@
               <a:defRPr/>
             </a:pPr>
             <a:r>
-              <a:rPr lang="en-US" sz="1800" dirty="0">
+              <a:rPr lang="en-US" dirty="0">
                 <a:effectLst/>
                 <a:latin typeface="Arial" panose="020B0604020202020204" pitchFamily="34" charset="0"/>
                 <a:ea typeface="Arial" panose="020B0604020202020204" pitchFamily="34" charset="0"/>
@@ -1336,7 +1336,7 @@
               </a:spcAft>
             </a:pPr>
             <a:r>
-              <a:rPr lang="en-US" sz="1800" dirty="0">
+              <a:rPr lang="en-US" dirty="0">
                 <a:effectLst/>
                 <a:latin typeface="Arial" panose="020B0604020202020204" pitchFamily="34" charset="0"/>
                 <a:ea typeface="Arial" panose="020B0604020202020204" pitchFamily="34" charset="0"/>
@@ -1354,7 +1354,7 @@
               </a:spcAft>
             </a:pPr>
             <a:r>
-              <a:rPr lang="en-US" sz="1800" dirty="0">
+              <a:rPr lang="en-US" dirty="0">
                 <a:effectLst/>
                 <a:latin typeface="Arial" panose="020B0604020202020204" pitchFamily="34" charset="0"/>
                 <a:ea typeface="Arial" panose="020B0604020202020204" pitchFamily="34" charset="0"/>
@@ -1372,7 +1372,7 @@
               </a:spcAft>
             </a:pPr>
             <a:r>
-              <a:rPr lang="en-US" sz="1800" dirty="0">
+              <a:rPr lang="en-US" dirty="0">
                 <a:effectLst/>
                 <a:latin typeface="Arial" panose="020B0604020202020204" pitchFamily="34" charset="0"/>
                 <a:ea typeface="Arial" panose="020B0604020202020204" pitchFamily="34" charset="0"/>
@@ -1390,7 +1390,7 @@
               </a:spcAft>
             </a:pPr>
             <a:r>
-              <a:rPr lang="en-US" sz="1800" dirty="0">
+              <a:rPr lang="en-US" dirty="0">
                 <a:effectLst/>
                 <a:latin typeface="Arial" panose="020B0604020202020204" pitchFamily="34" charset="0"/>
                 <a:ea typeface="Arial" panose="020B0604020202020204" pitchFamily="34" charset="0"/>
@@ -1409,7 +1409,7 @@
               <a:buFontTx/>
               <a:buChar char="-"/>
             </a:pPr>
-            <a:endParaRPr lang="en-US" sz="1800" dirty="0">
+            <a:endParaRPr lang="en-US" dirty="0">
               <a:effectLst/>
               <a:latin typeface="Arial" panose="020B0604020202020204" pitchFamily="34" charset="0"/>
               <a:ea typeface="Arial" panose="020B0604020202020204" pitchFamily="34" charset="0"/>
@@ -1427,7 +1427,7 @@
               <a:buNone/>
             </a:pPr>
             <a:r>
-              <a:rPr lang="en-US" sz="1800" dirty="0">
+              <a:rPr lang="en-US" dirty="0">
                 <a:effectLst/>
                 <a:latin typeface="Arial" panose="020B0604020202020204" pitchFamily="34" charset="0"/>
                 <a:ea typeface="Arial" panose="020B0604020202020204" pitchFamily="34" charset="0"/>
@@ -1446,7 +1446,7 @@
               <a:buFontTx/>
               <a:buChar char="-"/>
             </a:pPr>
-            <a:endParaRPr lang="en-US" sz="1800" dirty="0">
+            <a:endParaRPr lang="en-US" dirty="0">
               <a:effectLst/>
               <a:latin typeface="Arial" panose="020B0604020202020204" pitchFamily="34" charset="0"/>
               <a:ea typeface="Arial" panose="020B0604020202020204" pitchFamily="34" charset="0"/>
@@ -1466,8 +1466,8 @@
         </p:nvSpPr>
         <p:spPr>
           <a:xfrm>
-            <a:off x="3884613" y="8685213"/>
-            <a:ext cx="2971800" cy="458787"/>
+            <a:off x="3884613" y="8846554"/>
+            <a:ext cx="2971800" cy="467310"/>
           </a:xfrm>
           <a:prstGeom prst="rect">
             <a:avLst/>
@@ -1542,8 +1542,8 @@
         </p:nvSpPr>
         <p:spPr>
           <a:xfrm>
-            <a:off x="685800" y="1143000"/>
-            <a:ext cx="5486400" cy="3086100"/>
+            <a:off x="635000" y="328613"/>
+            <a:ext cx="5588000" cy="3143250"/>
           </a:xfrm>
           <a:custGeom>
             <a:avLst/>
@@ -1593,8 +1593,8 @@
         </p:nvSpPr>
         <p:spPr>
           <a:xfrm>
-            <a:off x="685800" y="4400550"/>
-            <a:ext cx="5486400" cy="3600450"/>
+            <a:off x="228600" y="3630790"/>
+            <a:ext cx="6400800" cy="5215763"/>
           </a:xfrm>
           <a:prstGeom prst="rect">
             <a:avLst/>
@@ -1620,7 +1620,7 @@
               <a:buNone/>
             </a:pPr>
             <a:r>
-              <a:rPr lang="en-US" dirty="0"/>
+              <a:rPr lang="en-US" sz="1050" dirty="0"/>
               <a:t>This project built a new R-SRAFVP application using Cloud Computing capabilities</a:t>
             </a:r>
           </a:p>
@@ -1634,7 +1634,7 @@
               </a:spcAft>
             </a:pPr>
             <a:r>
-              <a:rPr lang="en-US" dirty="0"/>
+              <a:rPr lang="en-US" sz="1050" dirty="0"/>
               <a:t>A progressive web application</a:t>
             </a:r>
           </a:p>
@@ -1648,7 +1648,7 @@
               </a:spcAft>
             </a:pPr>
             <a:r>
-              <a:rPr lang="en-US" dirty="0"/>
+              <a:rPr lang="en-US" sz="1050" dirty="0"/>
               <a:t>Discoverable on the web </a:t>
             </a:r>
           </a:p>
@@ -1662,7 +1662,7 @@
               </a:spcAft>
             </a:pPr>
             <a:r>
-              <a:rPr lang="en-US" dirty="0"/>
+              <a:rPr lang="en-US" sz="1050" dirty="0"/>
               <a:t>Shareable</a:t>
             </a:r>
           </a:p>
@@ -1685,7 +1685,7 @@
               <a:defRPr/>
             </a:pPr>
             <a:r>
-              <a:rPr lang="en-US" dirty="0"/>
+              <a:rPr lang="en-US" sz="1050" dirty="0"/>
               <a:t>Responsive design</a:t>
             </a:r>
           </a:p>
@@ -1699,7 +1699,7 @@
               </a:spcAft>
             </a:pPr>
             <a:r>
-              <a:rPr lang="en-US" dirty="0"/>
+              <a:rPr lang="en-US" sz="1050" dirty="0"/>
               <a:t>Security throughout</a:t>
             </a:r>
           </a:p>
@@ -1713,7 +1713,7 @@
               </a:spcAft>
             </a:pPr>
             <a:r>
-              <a:rPr lang="en-US" dirty="0"/>
+              <a:rPr lang="en-US" sz="1050" dirty="0"/>
               <a:t>Progressive enhancement</a:t>
             </a:r>
           </a:p>
@@ -1727,7 +1727,7 @@
               </a:spcAft>
             </a:pPr>
             <a:r>
-              <a:rPr lang="en-US" dirty="0"/>
+              <a:rPr lang="en-US" sz="1050" dirty="0"/>
               <a:t>Single code base across multiple device types and platforms </a:t>
             </a:r>
           </a:p>
@@ -1741,7 +1741,7 @@
               </a:spcAft>
             </a:pPr>
             <a:r>
-              <a:rPr lang="en-US" dirty="0"/>
+              <a:rPr lang="en-US" sz="1050" dirty="0"/>
               <a:t>Uses cloud computing services</a:t>
             </a:r>
           </a:p>
@@ -1756,7 +1756,7 @@
               <a:buFontTx/>
               <a:buChar char="-"/>
             </a:pPr>
-            <a:endParaRPr lang="en-US" dirty="0"/>
+            <a:endParaRPr lang="en-US" sz="1050" dirty="0"/>
           </a:p>
           <a:p>
             <a:pPr marL="0" lvl="0" indent="0" algn="l" rtl="0">
@@ -1770,7 +1770,7 @@
               <a:buNone/>
             </a:pPr>
             <a:r>
-              <a:rPr lang="en-US" dirty="0"/>
+              <a:rPr lang="en-US" sz="1050" dirty="0"/>
               <a:t>The main architecture for the progressive web application is</a:t>
             </a:r>
           </a:p>
@@ -1784,7 +1784,7 @@
               </a:spcAft>
             </a:pPr>
             <a:r>
-              <a:rPr lang="en-US" dirty="0"/>
+              <a:rPr lang="en-US" sz="1050" dirty="0"/>
               <a:t>Hosting through Google sites</a:t>
             </a:r>
           </a:p>
@@ -1798,7 +1798,7 @@
               </a:spcAft>
             </a:pPr>
             <a:r>
-              <a:rPr lang="en-US" dirty="0"/>
+              <a:rPr lang="en-US" sz="1050" dirty="0"/>
               <a:t>Firebase is used for the project and cloud services</a:t>
             </a:r>
           </a:p>
@@ -1821,15 +1821,15 @@
               <a:defRPr/>
             </a:pPr>
             <a:r>
-              <a:rPr lang="en-US" dirty="0"/>
+              <a:rPr lang="en-US" sz="1050" dirty="0"/>
               <a:t>Cloud services implemented are authentication, analytics and </a:t>
             </a:r>
             <a:r>
-              <a:rPr lang="en-US" dirty="0" err="1"/>
+              <a:rPr lang="en-US" sz="1050" dirty="0" err="1"/>
               <a:t>Firestore</a:t>
             </a:r>
             <a:r>
-              <a:rPr lang="en-US" dirty="0"/>
+              <a:rPr lang="en-US" sz="1050" dirty="0"/>
               <a:t> (no SQL database)</a:t>
             </a:r>
           </a:p>
@@ -1843,7 +1843,7 @@
               </a:spcAft>
             </a:pPr>
             <a:r>
-              <a:rPr lang="en-US" dirty="0"/>
+              <a:rPr lang="en-US" sz="1050" dirty="0"/>
               <a:t>Core languages used are HTML, CSS and JavaScript</a:t>
             </a:r>
           </a:p>
@@ -1857,7 +1857,7 @@
               </a:spcAft>
               <a:buNone/>
             </a:pPr>
-            <a:endParaRPr lang="en-US" dirty="0"/>
+            <a:endParaRPr lang="en-US" sz="1050" dirty="0"/>
           </a:p>
           <a:p>
             <a:pPr marL="0" marR="0" lvl="0" indent="0" algn="l" defTabSz="914400" rtl="0" eaLnBrk="1" fontAlgn="auto" latinLnBrk="0" hangingPunct="1">
@@ -1880,7 +1880,7 @@
               <a:defRPr/>
             </a:pPr>
             <a:r>
-              <a:rPr lang="en-US" dirty="0"/>
+              <a:rPr lang="en-US" sz="1050" dirty="0"/>
               <a:t>The progressive web application makes the assessment available to any medical professionals specializing in low vision rehabilitation</a:t>
             </a:r>
           </a:p>
@@ -1895,7 +1895,7 @@
               <a:buNone/>
             </a:pPr>
             <a:r>
-              <a:rPr lang="en-US" dirty="0"/>
+              <a:rPr lang="en-US" sz="1050" dirty="0"/>
               <a:t>- Although Occupational Therapists specializing in low vision are the target audience.</a:t>
             </a:r>
           </a:p>
@@ -1909,7 +1909,7 @@
               </a:spcAft>
               <a:buNone/>
             </a:pPr>
-            <a:endParaRPr lang="en-US" dirty="0"/>
+            <a:endParaRPr lang="en-US" sz="1050" dirty="0"/>
           </a:p>
           <a:p>
             <a:pPr marL="0" marR="0" lvl="0" indent="0" algn="l" defTabSz="914400" rtl="0" eaLnBrk="1" fontAlgn="auto" latinLnBrk="0" hangingPunct="1">
@@ -1932,7 +1932,7 @@
               <a:defRPr/>
             </a:pPr>
             <a:r>
-              <a:rPr lang="en-US" dirty="0"/>
+              <a:rPr lang="en-US" sz="1050" dirty="0"/>
               <a:t>There are a total of 11 webpages, but the core functionality is the active assessment screen</a:t>
             </a:r>
           </a:p>
@@ -1946,7 +1946,7 @@
               </a:spcAft>
             </a:pPr>
             <a:r>
-              <a:rPr lang="en-US" dirty="0"/>
+              <a:rPr lang="en-US" sz="1050" dirty="0"/>
               <a:t>There are 3 tabs for the assessment and 2 tabs for help</a:t>
             </a:r>
           </a:p>
@@ -1960,7 +1960,7 @@
               </a:spcAft>
             </a:pPr>
             <a:r>
-              <a:rPr lang="en-US" dirty="0"/>
+              <a:rPr lang="en-US" sz="1050" dirty="0"/>
               <a:t>The assessment tabs contain general information; questions, answers and comments; and scoring</a:t>
             </a:r>
           </a:p>
@@ -1974,7 +1974,7 @@
               </a:spcAft>
             </a:pPr>
             <a:r>
-              <a:rPr lang="en-US" dirty="0"/>
+              <a:rPr lang="en-US" sz="1050" dirty="0"/>
               <a:t>The help tabs contain the scoring scale (for answering help) and Medicare Code (for therapist reference)</a:t>
             </a:r>
           </a:p>
@@ -1988,7 +1988,7 @@
               </a:spcAft>
               <a:buNone/>
             </a:pPr>
-            <a:endParaRPr lang="en-US" dirty="0"/>
+            <a:endParaRPr lang="en-US" sz="1050" dirty="0"/>
           </a:p>
           <a:p>
             <a:pPr marL="0" lvl="0" indent="0" algn="l" rtl="0">
@@ -2001,8 +2001,8 @@
               <a:buNone/>
             </a:pPr>
             <a:r>
-              <a:rPr lang="en-US" dirty="0"/>
-              <a:t>Once the user moves to the scoring tab, the assessment is fully scored</a:t>
+              <a:rPr lang="en-US" sz="1050" dirty="0"/>
+              <a:t>Once the user moves to the scoring tab, the assessment is fully scored.  The user can print, export or reset the assessment for the next patient</a:t>
             </a:r>
           </a:p>
           <a:p>
@@ -2015,22 +2015,7 @@
               </a:spcAft>
               <a:buNone/>
             </a:pPr>
-            <a:r>
-              <a:rPr lang="en-US" dirty="0"/>
-              <a:t>The user can print, export or reset the assessment for the next patient</a:t>
-            </a:r>
-          </a:p>
-          <a:p>
-            <a:pPr marL="0" lvl="0" indent="0" algn="l" rtl="0">
-              <a:spcBef>
-                <a:spcPts val="0"/>
-              </a:spcBef>
-              <a:spcAft>
-                <a:spcPts val="0"/>
-              </a:spcAft>
-              <a:buNone/>
-            </a:pPr>
-            <a:endParaRPr lang="en-US" dirty="0"/>
+            <a:endParaRPr lang="en-US" sz="1050" dirty="0"/>
           </a:p>
           <a:p>
             <a:pPr marL="0" marR="0" lvl="0" indent="0" algn="l" defTabSz="914400" rtl="0" eaLnBrk="1" fontAlgn="auto" latinLnBrk="0" hangingPunct="1">
@@ -2053,8 +2038,8 @@
               <a:defRPr/>
             </a:pPr>
             <a:r>
-              <a:rPr lang="en-US" dirty="0"/>
-              <a:t>Authentication can be done through site registration or using a Google account</a:t>
+              <a:rPr lang="en-US" sz="1050" dirty="0"/>
+              <a:t>Authentication can be done through site registration or using a Google account.  If the user is authenticated, additional functionality becomes available to save, recall, or delete assessments</a:t>
             </a:r>
           </a:p>
           <a:p>
@@ -2067,10 +2052,7 @@
               </a:spcAft>
               <a:buNone/>
             </a:pPr>
-            <a:r>
-              <a:rPr lang="en-US" dirty="0"/>
-              <a:t>If the user is authenticated, additional functionality becomes available to save, recall, or delete assessments</a:t>
-            </a:r>
+            <a:endParaRPr lang="en-US" sz="1050" dirty="0"/>
           </a:p>
           <a:p>
             <a:pPr marL="0" lvl="0" indent="0" algn="l" rtl="0">
@@ -2082,7 +2064,7 @@
               </a:spcAft>
               <a:buNone/>
             </a:pPr>
-            <a:endParaRPr lang="en-US" dirty="0"/>
+            <a:endParaRPr lang="en-US" sz="1050" dirty="0"/>
           </a:p>
           <a:p>
             <a:pPr marL="0" lvl="0" indent="0" algn="l" rtl="0">
@@ -2094,7 +2076,7 @@
               </a:spcAft>
               <a:buNone/>
             </a:pPr>
-            <a:endParaRPr lang="en-US" dirty="0"/>
+            <a:endParaRPr lang="en-US" sz="1050" dirty="0"/>
           </a:p>
           <a:p>
             <a:pPr marL="0" lvl="0" indent="0" algn="l" rtl="0">
@@ -2106,7 +2088,7 @@
               </a:spcAft>
               <a:buNone/>
             </a:pPr>
-            <a:endParaRPr lang="en-US" dirty="0"/>
+            <a:endParaRPr lang="en-US" sz="1050" dirty="0"/>
           </a:p>
           <a:p>
             <a:pPr marL="0" lvl="0" indent="0" algn="l" rtl="0">
@@ -2118,19 +2100,7 @@
               </a:spcAft>
               <a:buNone/>
             </a:pPr>
-            <a:endParaRPr lang="en-US" dirty="0"/>
-          </a:p>
-          <a:p>
-            <a:pPr marL="0" lvl="0" indent="0" algn="l" rtl="0">
-              <a:spcBef>
-                <a:spcPts val="0"/>
-              </a:spcBef>
-              <a:spcAft>
-                <a:spcPts val="0"/>
-              </a:spcAft>
-              <a:buNone/>
-            </a:pPr>
-            <a:endParaRPr lang="en-US" dirty="0"/>
+            <a:endParaRPr lang="en-US" sz="1050" dirty="0"/>
           </a:p>
         </p:txBody>
       </p:sp>
@@ -2146,8 +2116,8 @@
         </p:nvSpPr>
         <p:spPr>
           <a:xfrm>
-            <a:off x="3884613" y="8685213"/>
-            <a:ext cx="2971800" cy="458787"/>
+            <a:off x="3884613" y="8846554"/>
+            <a:ext cx="2971800" cy="467310"/>
           </a:xfrm>
           <a:prstGeom prst="rect">
             <a:avLst/>
@@ -2222,8 +2192,8 @@
         </p:nvSpPr>
         <p:spPr>
           <a:xfrm>
-            <a:off x="685800" y="1143000"/>
-            <a:ext cx="5486400" cy="3086100"/>
+            <a:off x="635000" y="352425"/>
+            <a:ext cx="5588000" cy="3143250"/>
           </a:xfrm>
           <a:custGeom>
             <a:avLst/>
@@ -2273,8 +2243,8 @@
         </p:nvSpPr>
         <p:spPr>
           <a:xfrm>
-            <a:off x="685800" y="4400550"/>
-            <a:ext cx="5486400" cy="3600450"/>
+            <a:off x="228600" y="3630790"/>
+            <a:ext cx="6400800" cy="5215763"/>
           </a:xfrm>
           <a:prstGeom prst="rect">
             <a:avLst/>
@@ -2397,11 +2367,7 @@
             </a:pPr>
             <a:r>
               <a:rPr lang="en-US" dirty="0"/>
-              <a:t>Real users, real </a:t>
-            </a:r>
-            <a:r>
-              <a:rPr lang="en-US"/>
-              <a:t>patient outcomes</a:t>
+              <a:t>Real users, real patient outcomes</a:t>
             </a:r>
           </a:p>
           <a:p>
@@ -2445,8 +2411,8 @@
         </p:nvSpPr>
         <p:spPr>
           <a:xfrm>
-            <a:off x="3884613" y="8685213"/>
-            <a:ext cx="2971800" cy="458787"/>
+            <a:off x="3884613" y="8846554"/>
+            <a:ext cx="2971800" cy="467310"/>
           </a:xfrm>
           <a:prstGeom prst="rect">
             <a:avLst/>
